--- a/目前结果.pptx
+++ b/目前结果.pptx
@@ -5,15 +5,22 @@
     <p:sldMasterId id="2147483661" r:id="rId1"/>
   </p:sldMasterIdLst>
   <p:notesMasterIdLst>
-    <p:notesMasterId r:id="rId5"/>
+    <p:notesMasterId r:id="rId12"/>
   </p:notesMasterIdLst>
   <p:handoutMasterIdLst>
-    <p:handoutMasterId r:id="rId6"/>
+    <p:handoutMasterId r:id="rId13"/>
   </p:handoutMasterIdLst>
   <p:sldIdLst>
     <p:sldId id="450" r:id="rId2"/>
-    <p:sldId id="451" r:id="rId3"/>
-    <p:sldId id="452" r:id="rId4"/>
+    <p:sldId id="454" r:id="rId3"/>
+    <p:sldId id="455" r:id="rId4"/>
+    <p:sldId id="456" r:id="rId5"/>
+    <p:sldId id="457" r:id="rId6"/>
+    <p:sldId id="458" r:id="rId7"/>
+    <p:sldId id="459" r:id="rId8"/>
+    <p:sldId id="451" r:id="rId9"/>
+    <p:sldId id="452" r:id="rId10"/>
+    <p:sldId id="453" r:id="rId11"/>
   </p:sldIdLst>
   <p:sldSz cx="9144000" cy="6858000" type="screen4x3"/>
   <p:notesSz cx="6858000" cy="9144000"/>
@@ -233,7 +240,7 @@
             <a:fld id="{503734C6-FE72-4048-933F-D8AB9E486ABE}" type="datetimeFigureOut">
               <a:rPr lang="zh-CN" altLang="en-US" smtClean="0"/>
               <a:pPr/>
-              <a:t>2019/9/19</a:t>
+              <a:t>2020/11/6</a:t>
             </a:fld>
             <a:endParaRPr lang="zh-CN" altLang="en-US"/>
           </a:p>
@@ -401,7 +408,7 @@
             <a:fld id="{0A23A271-BBE5-4424-914B-DEB0148A60A3}" type="datetimeFigureOut">
               <a:rPr lang="zh-CN" altLang="en-US" smtClean="0"/>
               <a:pPr/>
-              <a:t>2019/9/19</a:t>
+              <a:t>2020/11/6</a:t>
             </a:fld>
             <a:endParaRPr lang="zh-CN" altLang="en-US"/>
           </a:p>
@@ -750,6 +757,486 @@
 </p:notes>
 </file>
 
+<file path=ppt/notesSlides/notesSlide2.xml><?xml version="1.0" encoding="utf-8"?>
+<p:notes xmlns:a="http://schemas.openxmlformats.org/drawingml/2006/main" xmlns:r="http://schemas.openxmlformats.org/officeDocument/2006/relationships" xmlns:p="http://schemas.openxmlformats.org/presentationml/2006/main">
+  <p:cSld>
+    <p:spTree>
+      <p:nvGrpSpPr>
+        <p:cNvPr id="1" name=""/>
+        <p:cNvGrpSpPr/>
+        <p:nvPr/>
+      </p:nvGrpSpPr>
+      <p:grpSpPr>
+        <a:xfrm>
+          <a:off x="0" y="0"/>
+          <a:ext cx="0" cy="0"/>
+          <a:chOff x="0" y="0"/>
+          <a:chExt cx="0" cy="0"/>
+        </a:xfrm>
+      </p:grpSpPr>
+      <p:sp>
+        <p:nvSpPr>
+          <p:cNvPr id="2" name="幻灯片图像占位符 1"/>
+          <p:cNvSpPr>
+            <a:spLocks noGrp="1" noRot="1" noChangeAspect="1"/>
+          </p:cNvSpPr>
+          <p:nvPr>
+            <p:ph type="sldImg"/>
+          </p:nvPr>
+        </p:nvSpPr>
+        <p:spPr/>
+      </p:sp>
+      <p:sp>
+        <p:nvSpPr>
+          <p:cNvPr id="3" name="备注占位符 2"/>
+          <p:cNvSpPr>
+            <a:spLocks noGrp="1"/>
+          </p:cNvSpPr>
+          <p:nvPr>
+            <p:ph type="body" idx="1"/>
+          </p:nvPr>
+        </p:nvSpPr>
+        <p:spPr/>
+        <p:txBody>
+          <a:bodyPr/>
+          <a:lstStyle/>
+          <a:p>
+            <a:endParaRPr lang="zh-CN" altLang="en-US" dirty="0"/>
+          </a:p>
+        </p:txBody>
+      </p:sp>
+      <p:sp>
+        <p:nvSpPr>
+          <p:cNvPr id="4" name="页脚占位符 3"/>
+          <p:cNvSpPr>
+            <a:spLocks noGrp="1"/>
+          </p:cNvSpPr>
+          <p:nvPr>
+            <p:ph type="ftr" sz="quarter" idx="10"/>
+          </p:nvPr>
+        </p:nvSpPr>
+        <p:spPr/>
+        <p:txBody>
+          <a:bodyPr/>
+          <a:lstStyle/>
+          <a:p>
+            <a:endParaRPr lang="zh-CN" altLang="en-US"/>
+          </a:p>
+        </p:txBody>
+      </p:sp>
+    </p:spTree>
+    <p:extLst>
+      <p:ext uri="{BB962C8B-B14F-4D97-AF65-F5344CB8AC3E}">
+        <p14:creationId xmlns:p14="http://schemas.microsoft.com/office/powerpoint/2010/main" val="1701158634"/>
+      </p:ext>
+    </p:extLst>
+  </p:cSld>
+  <p:clrMapOvr>
+    <a:masterClrMapping/>
+  </p:clrMapOvr>
+</p:notes>
+</file>
+
+<file path=ppt/notesSlides/notesSlide3.xml><?xml version="1.0" encoding="utf-8"?>
+<p:notes xmlns:a="http://schemas.openxmlformats.org/drawingml/2006/main" xmlns:r="http://schemas.openxmlformats.org/officeDocument/2006/relationships" xmlns:p="http://schemas.openxmlformats.org/presentationml/2006/main">
+  <p:cSld>
+    <p:spTree>
+      <p:nvGrpSpPr>
+        <p:cNvPr id="1" name=""/>
+        <p:cNvGrpSpPr/>
+        <p:nvPr/>
+      </p:nvGrpSpPr>
+      <p:grpSpPr>
+        <a:xfrm>
+          <a:off x="0" y="0"/>
+          <a:ext cx="0" cy="0"/>
+          <a:chOff x="0" y="0"/>
+          <a:chExt cx="0" cy="0"/>
+        </a:xfrm>
+      </p:grpSpPr>
+      <p:sp>
+        <p:nvSpPr>
+          <p:cNvPr id="2" name="幻灯片图像占位符 1"/>
+          <p:cNvSpPr>
+            <a:spLocks noGrp="1" noRot="1" noChangeAspect="1"/>
+          </p:cNvSpPr>
+          <p:nvPr>
+            <p:ph type="sldImg"/>
+          </p:nvPr>
+        </p:nvSpPr>
+        <p:spPr/>
+      </p:sp>
+      <p:sp>
+        <p:nvSpPr>
+          <p:cNvPr id="3" name="备注占位符 2"/>
+          <p:cNvSpPr>
+            <a:spLocks noGrp="1"/>
+          </p:cNvSpPr>
+          <p:nvPr>
+            <p:ph type="body" idx="1"/>
+          </p:nvPr>
+        </p:nvSpPr>
+        <p:spPr/>
+        <p:txBody>
+          <a:bodyPr/>
+          <a:lstStyle/>
+          <a:p>
+            <a:endParaRPr lang="zh-CN" altLang="en-US" dirty="0"/>
+          </a:p>
+        </p:txBody>
+      </p:sp>
+      <p:sp>
+        <p:nvSpPr>
+          <p:cNvPr id="4" name="页脚占位符 3"/>
+          <p:cNvSpPr>
+            <a:spLocks noGrp="1"/>
+          </p:cNvSpPr>
+          <p:nvPr>
+            <p:ph type="ftr" sz="quarter" idx="10"/>
+          </p:nvPr>
+        </p:nvSpPr>
+        <p:spPr/>
+        <p:txBody>
+          <a:bodyPr/>
+          <a:lstStyle/>
+          <a:p>
+            <a:endParaRPr lang="zh-CN" altLang="en-US"/>
+          </a:p>
+        </p:txBody>
+      </p:sp>
+    </p:spTree>
+    <p:extLst>
+      <p:ext uri="{BB962C8B-B14F-4D97-AF65-F5344CB8AC3E}">
+        <p14:creationId xmlns:p14="http://schemas.microsoft.com/office/powerpoint/2010/main" val="3636252125"/>
+      </p:ext>
+    </p:extLst>
+  </p:cSld>
+  <p:clrMapOvr>
+    <a:masterClrMapping/>
+  </p:clrMapOvr>
+</p:notes>
+</file>
+
+<file path=ppt/notesSlides/notesSlide4.xml><?xml version="1.0" encoding="utf-8"?>
+<p:notes xmlns:a="http://schemas.openxmlformats.org/drawingml/2006/main" xmlns:r="http://schemas.openxmlformats.org/officeDocument/2006/relationships" xmlns:p="http://schemas.openxmlformats.org/presentationml/2006/main">
+  <p:cSld>
+    <p:spTree>
+      <p:nvGrpSpPr>
+        <p:cNvPr id="1" name=""/>
+        <p:cNvGrpSpPr/>
+        <p:nvPr/>
+      </p:nvGrpSpPr>
+      <p:grpSpPr>
+        <a:xfrm>
+          <a:off x="0" y="0"/>
+          <a:ext cx="0" cy="0"/>
+          <a:chOff x="0" y="0"/>
+          <a:chExt cx="0" cy="0"/>
+        </a:xfrm>
+      </p:grpSpPr>
+      <p:sp>
+        <p:nvSpPr>
+          <p:cNvPr id="2" name="幻灯片图像占位符 1"/>
+          <p:cNvSpPr>
+            <a:spLocks noGrp="1" noRot="1" noChangeAspect="1"/>
+          </p:cNvSpPr>
+          <p:nvPr>
+            <p:ph type="sldImg"/>
+          </p:nvPr>
+        </p:nvSpPr>
+        <p:spPr/>
+      </p:sp>
+      <p:sp>
+        <p:nvSpPr>
+          <p:cNvPr id="3" name="备注占位符 2"/>
+          <p:cNvSpPr>
+            <a:spLocks noGrp="1"/>
+          </p:cNvSpPr>
+          <p:nvPr>
+            <p:ph type="body" idx="1"/>
+          </p:nvPr>
+        </p:nvSpPr>
+        <p:spPr/>
+        <p:txBody>
+          <a:bodyPr/>
+          <a:lstStyle/>
+          <a:p>
+            <a:endParaRPr lang="zh-CN" altLang="en-US" dirty="0"/>
+          </a:p>
+        </p:txBody>
+      </p:sp>
+      <p:sp>
+        <p:nvSpPr>
+          <p:cNvPr id="4" name="页脚占位符 3"/>
+          <p:cNvSpPr>
+            <a:spLocks noGrp="1"/>
+          </p:cNvSpPr>
+          <p:nvPr>
+            <p:ph type="ftr" sz="quarter" idx="10"/>
+          </p:nvPr>
+        </p:nvSpPr>
+        <p:spPr/>
+        <p:txBody>
+          <a:bodyPr/>
+          <a:lstStyle/>
+          <a:p>
+            <a:endParaRPr lang="zh-CN" altLang="en-US"/>
+          </a:p>
+        </p:txBody>
+      </p:sp>
+    </p:spTree>
+    <p:extLst>
+      <p:ext uri="{BB962C8B-B14F-4D97-AF65-F5344CB8AC3E}">
+        <p14:creationId xmlns:p14="http://schemas.microsoft.com/office/powerpoint/2010/main" val="1142915738"/>
+      </p:ext>
+    </p:extLst>
+  </p:cSld>
+  <p:clrMapOvr>
+    <a:masterClrMapping/>
+  </p:clrMapOvr>
+</p:notes>
+</file>
+
+<file path=ppt/notesSlides/notesSlide5.xml><?xml version="1.0" encoding="utf-8"?>
+<p:notes xmlns:a="http://schemas.openxmlformats.org/drawingml/2006/main" xmlns:r="http://schemas.openxmlformats.org/officeDocument/2006/relationships" xmlns:p="http://schemas.openxmlformats.org/presentationml/2006/main">
+  <p:cSld>
+    <p:spTree>
+      <p:nvGrpSpPr>
+        <p:cNvPr id="1" name=""/>
+        <p:cNvGrpSpPr/>
+        <p:nvPr/>
+      </p:nvGrpSpPr>
+      <p:grpSpPr>
+        <a:xfrm>
+          <a:off x="0" y="0"/>
+          <a:ext cx="0" cy="0"/>
+          <a:chOff x="0" y="0"/>
+          <a:chExt cx="0" cy="0"/>
+        </a:xfrm>
+      </p:grpSpPr>
+      <p:sp>
+        <p:nvSpPr>
+          <p:cNvPr id="2" name="幻灯片图像占位符 1"/>
+          <p:cNvSpPr>
+            <a:spLocks noGrp="1" noRot="1" noChangeAspect="1"/>
+          </p:cNvSpPr>
+          <p:nvPr>
+            <p:ph type="sldImg"/>
+          </p:nvPr>
+        </p:nvSpPr>
+        <p:spPr/>
+      </p:sp>
+      <p:sp>
+        <p:nvSpPr>
+          <p:cNvPr id="3" name="备注占位符 2"/>
+          <p:cNvSpPr>
+            <a:spLocks noGrp="1"/>
+          </p:cNvSpPr>
+          <p:nvPr>
+            <p:ph type="body" idx="1"/>
+          </p:nvPr>
+        </p:nvSpPr>
+        <p:spPr/>
+        <p:txBody>
+          <a:bodyPr/>
+          <a:lstStyle/>
+          <a:p>
+            <a:endParaRPr lang="zh-CN" altLang="en-US" dirty="0"/>
+          </a:p>
+        </p:txBody>
+      </p:sp>
+      <p:sp>
+        <p:nvSpPr>
+          <p:cNvPr id="4" name="页脚占位符 3"/>
+          <p:cNvSpPr>
+            <a:spLocks noGrp="1"/>
+          </p:cNvSpPr>
+          <p:nvPr>
+            <p:ph type="ftr" sz="quarter" idx="10"/>
+          </p:nvPr>
+        </p:nvSpPr>
+        <p:spPr/>
+        <p:txBody>
+          <a:bodyPr/>
+          <a:lstStyle/>
+          <a:p>
+            <a:endParaRPr lang="zh-CN" altLang="en-US"/>
+          </a:p>
+        </p:txBody>
+      </p:sp>
+    </p:spTree>
+    <p:extLst>
+      <p:ext uri="{BB962C8B-B14F-4D97-AF65-F5344CB8AC3E}">
+        <p14:creationId xmlns:p14="http://schemas.microsoft.com/office/powerpoint/2010/main" val="2559384850"/>
+      </p:ext>
+    </p:extLst>
+  </p:cSld>
+  <p:clrMapOvr>
+    <a:masterClrMapping/>
+  </p:clrMapOvr>
+</p:notes>
+</file>
+
+<file path=ppt/notesSlides/notesSlide6.xml><?xml version="1.0" encoding="utf-8"?>
+<p:notes xmlns:a="http://schemas.openxmlformats.org/drawingml/2006/main" xmlns:r="http://schemas.openxmlformats.org/officeDocument/2006/relationships" xmlns:p="http://schemas.openxmlformats.org/presentationml/2006/main">
+  <p:cSld>
+    <p:spTree>
+      <p:nvGrpSpPr>
+        <p:cNvPr id="1" name=""/>
+        <p:cNvGrpSpPr/>
+        <p:nvPr/>
+      </p:nvGrpSpPr>
+      <p:grpSpPr>
+        <a:xfrm>
+          <a:off x="0" y="0"/>
+          <a:ext cx="0" cy="0"/>
+          <a:chOff x="0" y="0"/>
+          <a:chExt cx="0" cy="0"/>
+        </a:xfrm>
+      </p:grpSpPr>
+      <p:sp>
+        <p:nvSpPr>
+          <p:cNvPr id="2" name="幻灯片图像占位符 1"/>
+          <p:cNvSpPr>
+            <a:spLocks noGrp="1" noRot="1" noChangeAspect="1"/>
+          </p:cNvSpPr>
+          <p:nvPr>
+            <p:ph type="sldImg"/>
+          </p:nvPr>
+        </p:nvSpPr>
+        <p:spPr/>
+      </p:sp>
+      <p:sp>
+        <p:nvSpPr>
+          <p:cNvPr id="3" name="备注占位符 2"/>
+          <p:cNvSpPr>
+            <a:spLocks noGrp="1"/>
+          </p:cNvSpPr>
+          <p:nvPr>
+            <p:ph type="body" idx="1"/>
+          </p:nvPr>
+        </p:nvSpPr>
+        <p:spPr/>
+        <p:txBody>
+          <a:bodyPr/>
+          <a:lstStyle/>
+          <a:p>
+            <a:endParaRPr lang="zh-CN" altLang="en-US" dirty="0"/>
+          </a:p>
+        </p:txBody>
+      </p:sp>
+      <p:sp>
+        <p:nvSpPr>
+          <p:cNvPr id="4" name="页脚占位符 3"/>
+          <p:cNvSpPr>
+            <a:spLocks noGrp="1"/>
+          </p:cNvSpPr>
+          <p:nvPr>
+            <p:ph type="ftr" sz="quarter" idx="10"/>
+          </p:nvPr>
+        </p:nvSpPr>
+        <p:spPr/>
+        <p:txBody>
+          <a:bodyPr/>
+          <a:lstStyle/>
+          <a:p>
+            <a:endParaRPr lang="zh-CN" altLang="en-US"/>
+          </a:p>
+        </p:txBody>
+      </p:sp>
+    </p:spTree>
+    <p:extLst>
+      <p:ext uri="{BB962C8B-B14F-4D97-AF65-F5344CB8AC3E}">
+        <p14:creationId xmlns:p14="http://schemas.microsoft.com/office/powerpoint/2010/main" val="501823166"/>
+      </p:ext>
+    </p:extLst>
+  </p:cSld>
+  <p:clrMapOvr>
+    <a:masterClrMapping/>
+  </p:clrMapOvr>
+</p:notes>
+</file>
+
+<file path=ppt/notesSlides/notesSlide7.xml><?xml version="1.0" encoding="utf-8"?>
+<p:notes xmlns:a="http://schemas.openxmlformats.org/drawingml/2006/main" xmlns:r="http://schemas.openxmlformats.org/officeDocument/2006/relationships" xmlns:p="http://schemas.openxmlformats.org/presentationml/2006/main">
+  <p:cSld>
+    <p:spTree>
+      <p:nvGrpSpPr>
+        <p:cNvPr id="1" name=""/>
+        <p:cNvGrpSpPr/>
+        <p:nvPr/>
+      </p:nvGrpSpPr>
+      <p:grpSpPr>
+        <a:xfrm>
+          <a:off x="0" y="0"/>
+          <a:ext cx="0" cy="0"/>
+          <a:chOff x="0" y="0"/>
+          <a:chExt cx="0" cy="0"/>
+        </a:xfrm>
+      </p:grpSpPr>
+      <p:sp>
+        <p:nvSpPr>
+          <p:cNvPr id="2" name="幻灯片图像占位符 1"/>
+          <p:cNvSpPr>
+            <a:spLocks noGrp="1" noRot="1" noChangeAspect="1"/>
+          </p:cNvSpPr>
+          <p:nvPr>
+            <p:ph type="sldImg"/>
+          </p:nvPr>
+        </p:nvSpPr>
+        <p:spPr/>
+      </p:sp>
+      <p:sp>
+        <p:nvSpPr>
+          <p:cNvPr id="3" name="备注占位符 2"/>
+          <p:cNvSpPr>
+            <a:spLocks noGrp="1"/>
+          </p:cNvSpPr>
+          <p:nvPr>
+            <p:ph type="body" idx="1"/>
+          </p:nvPr>
+        </p:nvSpPr>
+        <p:spPr/>
+        <p:txBody>
+          <a:bodyPr/>
+          <a:lstStyle/>
+          <a:p>
+            <a:endParaRPr lang="zh-CN" altLang="en-US" dirty="0"/>
+          </a:p>
+        </p:txBody>
+      </p:sp>
+      <p:sp>
+        <p:nvSpPr>
+          <p:cNvPr id="4" name="页脚占位符 3"/>
+          <p:cNvSpPr>
+            <a:spLocks noGrp="1"/>
+          </p:cNvSpPr>
+          <p:nvPr>
+            <p:ph type="ftr" sz="quarter" idx="10"/>
+          </p:nvPr>
+        </p:nvSpPr>
+        <p:spPr/>
+        <p:txBody>
+          <a:bodyPr/>
+          <a:lstStyle/>
+          <a:p>
+            <a:endParaRPr lang="zh-CN" altLang="en-US"/>
+          </a:p>
+        </p:txBody>
+      </p:sp>
+    </p:spTree>
+    <p:extLst>
+      <p:ext uri="{BB962C8B-B14F-4D97-AF65-F5344CB8AC3E}">
+        <p14:creationId xmlns:p14="http://schemas.microsoft.com/office/powerpoint/2010/main" val="1123703188"/>
+      </p:ext>
+    </p:extLst>
+  </p:cSld>
+  <p:clrMapOvr>
+    <a:masterClrMapping/>
+  </p:clrMapOvr>
+</p:notes>
+</file>
+
 <file path=ppt/slideLayouts/slideLayout1.xml><?xml version="1.0" encoding="utf-8"?>
 <p:sldLayout xmlns:a="http://schemas.openxmlformats.org/drawingml/2006/main" xmlns:r="http://schemas.openxmlformats.org/officeDocument/2006/relationships" xmlns:p="http://schemas.openxmlformats.org/presentationml/2006/main" type="title" preserve="1">
   <p:cSld name="标题幻灯片">
@@ -968,7 +1455,7 @@
             <a:fld id="{BB9198EE-AF22-4A25-B80C-CE6C6430C8E5}" type="datetimeFigureOut">
               <a:rPr lang="zh-CN" altLang="en-US" smtClean="0"/>
               <a:pPr/>
-              <a:t>2019/9/19</a:t>
+              <a:t>2020/11/6</a:t>
             </a:fld>
             <a:endParaRPr lang="zh-CN" altLang="en-US"/>
           </a:p>
@@ -1245,7 +1732,7 @@
             <a:fld id="{BB9198EE-AF22-4A25-B80C-CE6C6430C8E5}" type="datetimeFigureOut">
               <a:rPr lang="zh-CN" altLang="en-US" smtClean="0"/>
               <a:pPr/>
-              <a:t>2019/9/19</a:t>
+              <a:t>2020/11/6</a:t>
             </a:fld>
             <a:endParaRPr lang="zh-CN" altLang="en-US"/>
           </a:p>
@@ -1499,7 +1986,7 @@
             <a:fld id="{BB9198EE-AF22-4A25-B80C-CE6C6430C8E5}" type="datetimeFigureOut">
               <a:rPr lang="zh-CN" altLang="en-US" smtClean="0"/>
               <a:pPr/>
-              <a:t>2019/9/19</a:t>
+              <a:t>2020/11/6</a:t>
             </a:fld>
             <a:endParaRPr lang="zh-CN" altLang="en-US"/>
           </a:p>
@@ -1669,7 +2156,7 @@
             <a:fld id="{BB9198EE-AF22-4A25-B80C-CE6C6430C8E5}" type="datetimeFigureOut">
               <a:rPr lang="zh-CN" altLang="en-US" smtClean="0"/>
               <a:pPr/>
-              <a:t>2019/9/19</a:t>
+              <a:t>2020/11/6</a:t>
             </a:fld>
             <a:endParaRPr lang="zh-CN" altLang="en-US"/>
           </a:p>
@@ -1849,7 +2336,7 @@
             <a:fld id="{BB9198EE-AF22-4A25-B80C-CE6C6430C8E5}" type="datetimeFigureOut">
               <a:rPr lang="zh-CN" altLang="en-US" smtClean="0"/>
               <a:pPr/>
-              <a:t>2019/9/19</a:t>
+              <a:t>2020/11/6</a:t>
             </a:fld>
             <a:endParaRPr lang="zh-CN" altLang="en-US"/>
           </a:p>
@@ -2102,7 +2589,7 @@
             <a:fld id="{BB9198EE-AF22-4A25-B80C-CE6C6430C8E5}" type="datetimeFigureOut">
               <a:rPr lang="zh-CN" altLang="en-US" smtClean="0"/>
               <a:pPr/>
-              <a:t>2019/9/19</a:t>
+              <a:t>2020/11/6</a:t>
             </a:fld>
             <a:endParaRPr lang="zh-CN" altLang="en-US"/>
           </a:p>
@@ -2287,7 +2774,7 @@
             <a:fld id="{BB9198EE-AF22-4A25-B80C-CE6C6430C8E5}" type="datetimeFigureOut">
               <a:rPr lang="zh-CN" altLang="en-US" smtClean="0"/>
               <a:pPr/>
-              <a:t>2019/9/19</a:t>
+              <a:t>2020/11/6</a:t>
             </a:fld>
             <a:endParaRPr lang="zh-CN" altLang="en-US"/>
           </a:p>
@@ -2408,7 +2895,7 @@
             <a:fld id="{BB9198EE-AF22-4A25-B80C-CE6C6430C8E5}" type="datetimeFigureOut">
               <a:rPr lang="zh-CN" altLang="en-US" smtClean="0"/>
               <a:pPr/>
-              <a:t>2019/9/19</a:t>
+              <a:t>2020/11/6</a:t>
             </a:fld>
             <a:endParaRPr lang="zh-CN" altLang="en-US"/>
           </a:p>
@@ -2529,7 +3016,7 @@
             <a:fld id="{BB9198EE-AF22-4A25-B80C-CE6C6430C8E5}" type="datetimeFigureOut">
               <a:rPr lang="zh-CN" altLang="en-US" smtClean="0"/>
               <a:pPr/>
-              <a:t>2019/9/19</a:t>
+              <a:t>2020/11/6</a:t>
             </a:fld>
             <a:endParaRPr lang="zh-CN" altLang="en-US"/>
           </a:p>
@@ -2809,7 +3296,7 @@
             <a:fld id="{BB9198EE-AF22-4A25-B80C-CE6C6430C8E5}" type="datetimeFigureOut">
               <a:rPr lang="zh-CN" altLang="en-US" smtClean="0"/>
               <a:pPr/>
-              <a:t>2019/9/19</a:t>
+              <a:t>2020/11/6</a:t>
             </a:fld>
             <a:endParaRPr lang="zh-CN" altLang="en-US"/>
           </a:p>
@@ -3056,7 +3543,7 @@
             <a:fld id="{BB9198EE-AF22-4A25-B80C-CE6C6430C8E5}" type="datetimeFigureOut">
               <a:rPr lang="zh-CN" altLang="en-US" smtClean="0"/>
               <a:pPr/>
-              <a:t>2019/9/19</a:t>
+              <a:t>2020/11/6</a:t>
             </a:fld>
             <a:endParaRPr lang="zh-CN" altLang="en-US"/>
           </a:p>
@@ -3343,7 +3830,7 @@
             <a:fld id="{BB9198EE-AF22-4A25-B80C-CE6C6430C8E5}" type="datetimeFigureOut">
               <a:rPr lang="zh-CN" altLang="en-US" smtClean="0"/>
               <a:pPr/>
-              <a:t>2019/9/19</a:t>
+              <a:t>2020/11/6</a:t>
             </a:fld>
             <a:endParaRPr lang="zh-CN" altLang="en-US"/>
           </a:p>
@@ -3764,7 +4251,7 @@
             <a:fld id="{BB9198EE-AF22-4A25-B80C-CE6C6430C8E5}" type="datetimeFigureOut">
               <a:rPr lang="zh-CN" altLang="en-US" smtClean="0"/>
               <a:pPr/>
-              <a:t>2019/9/19</a:t>
+              <a:t>2020/11/6</a:t>
             </a:fld>
             <a:endParaRPr lang="zh-CN" altLang="en-US"/>
           </a:p>
@@ -3977,7 +4464,7 @@
             <a:fld id="{BB9198EE-AF22-4A25-B80C-CE6C6430C8E5}" type="datetimeFigureOut">
               <a:rPr lang="zh-CN" altLang="en-US" smtClean="0"/>
               <a:pPr/>
-              <a:t>2019/9/19</a:t>
+              <a:t>2020/11/6</a:t>
             </a:fld>
             <a:endParaRPr lang="zh-CN" altLang="en-US"/>
           </a:p>
@@ -4417,8 +4904,21 @@
                 <a:ea typeface="黑体" panose="02010609060101010101" pitchFamily="49" charset="-122"/>
                 <a:cs typeface="Arial" panose="020B0604020202020204" pitchFamily="34" charset="0"/>
               </a:rPr>
-              <a:t>简单立方体</a:t>
-            </a:r>
+              <a:t>简单立方体 </a:t>
+            </a:r>
+            <a:r>
+              <a:rPr lang="en-US" altLang="zh-CN" sz="1800" dirty="0">
+                <a:latin typeface="Arial" panose="020B0604020202020204" pitchFamily="34" charset="0"/>
+                <a:ea typeface="黑体" panose="02010609060101010101" pitchFamily="49" charset="-122"/>
+                <a:cs typeface="Arial" panose="020B0604020202020204" pitchFamily="34" charset="0"/>
+              </a:rPr>
+              <a:t>v2</a:t>
+            </a:r>
+            <a:endParaRPr lang="zh-CN" altLang="en-US" sz="1800" dirty="0">
+              <a:latin typeface="Arial" panose="020B0604020202020204" pitchFamily="34" charset="0"/>
+              <a:ea typeface="黑体" panose="02010609060101010101" pitchFamily="49" charset="-122"/>
+              <a:cs typeface="Arial" panose="020B0604020202020204" pitchFamily="34" charset="0"/>
+            </a:endParaRPr>
           </a:p>
         </p:txBody>
       </p:sp>
@@ -4546,6 +5046,260 @@
     <p:extLst>
       <p:ext uri="{BB962C8B-B14F-4D97-AF65-F5344CB8AC3E}">
         <p14:creationId xmlns:p14="http://schemas.microsoft.com/office/powerpoint/2010/main" val="3023595422"/>
+      </p:ext>
+    </p:extLst>
+  </p:cSld>
+  <p:clrMapOvr>
+    <a:masterClrMapping/>
+  </p:clrMapOvr>
+</p:sld>
+</file>
+
+<file path=ppt/slides/slide10.xml><?xml version="1.0" encoding="utf-8"?>
+<p:sld xmlns:a="http://schemas.openxmlformats.org/drawingml/2006/main" xmlns:r="http://schemas.openxmlformats.org/officeDocument/2006/relationships" xmlns:p="http://schemas.openxmlformats.org/presentationml/2006/main">
+  <p:cSld>
+    <p:spTree>
+      <p:nvGrpSpPr>
+        <p:cNvPr id="1" name=""/>
+        <p:cNvGrpSpPr/>
+        <p:nvPr/>
+      </p:nvGrpSpPr>
+      <p:grpSpPr>
+        <a:xfrm>
+          <a:off x="0" y="0"/>
+          <a:ext cx="0" cy="0"/>
+          <a:chOff x="0" y="0"/>
+          <a:chExt cx="0" cy="0"/>
+        </a:xfrm>
+      </p:grpSpPr>
+      <p:sp>
+        <p:nvSpPr>
+          <p:cNvPr id="2" name="标题 1"/>
+          <p:cNvSpPr>
+            <a:spLocks noGrp="1"/>
+          </p:cNvSpPr>
+          <p:nvPr>
+            <p:ph type="title"/>
+          </p:nvPr>
+        </p:nvSpPr>
+        <p:spPr>
+          <a:xfrm>
+            <a:off x="890649" y="276225"/>
+            <a:ext cx="6613464" cy="1004888"/>
+          </a:xfrm>
+        </p:spPr>
+        <p:txBody>
+          <a:bodyPr/>
+          <a:lstStyle/>
+          <a:p>
+            <a:r>
+              <a:rPr lang="zh-CN" altLang="en-US" dirty="0"/>
+              <a:t>结果展示</a:t>
+            </a:r>
+            <a:endParaRPr lang="en-US" altLang="zh-CN" dirty="0"/>
+          </a:p>
+        </p:txBody>
+      </p:sp>
+      <p:sp>
+        <p:nvSpPr>
+          <p:cNvPr id="3" name="内容占位符 2"/>
+          <p:cNvSpPr>
+            <a:spLocks noGrp="1"/>
+          </p:cNvSpPr>
+          <p:nvPr>
+            <p:ph idx="1"/>
+          </p:nvPr>
+        </p:nvSpPr>
+        <p:spPr>
+          <a:xfrm>
+            <a:off x="1056903" y="1674421"/>
+            <a:ext cx="7613567" cy="4418403"/>
+          </a:xfrm>
+        </p:spPr>
+        <p:txBody>
+          <a:bodyPr>
+            <a:normAutofit/>
+          </a:bodyPr>
+          <a:lstStyle/>
+          <a:p>
+            <a:pPr marL="0" indent="0">
+              <a:buNone/>
+            </a:pPr>
+            <a:br>
+              <a:rPr lang="en-US" altLang="zh-CN" sz="3200" dirty="0"/>
+            </a:br>
+            <a:endParaRPr lang="en-US" altLang="zh-CN" sz="3200" dirty="0"/>
+          </a:p>
+        </p:txBody>
+      </p:sp>
+      <p:sp>
+        <p:nvSpPr>
+          <p:cNvPr id="8" name="文本框 7">
+            <a:extLst>
+              <a:ext uri="{FF2B5EF4-FFF2-40B4-BE49-F238E27FC236}">
+                <a16:creationId xmlns:a16="http://schemas.microsoft.com/office/drawing/2014/main" id="{81B0FD0C-6069-42DD-86DC-7CCE347948C1}"/>
+              </a:ext>
+            </a:extLst>
+          </p:cNvPr>
+          <p:cNvSpPr txBox="1"/>
+          <p:nvPr/>
+        </p:nvSpPr>
+        <p:spPr>
+          <a:xfrm>
+            <a:off x="181997" y="1338839"/>
+            <a:ext cx="4572000" cy="369332"/>
+          </a:xfrm>
+          <a:prstGeom prst="rect">
+            <a:avLst/>
+          </a:prstGeom>
+          <a:noFill/>
+        </p:spPr>
+        <p:txBody>
+          <a:bodyPr wrap="square" rtlCol="0">
+            <a:spAutoFit/>
+          </a:bodyPr>
+          <a:lstStyle/>
+          <a:p>
+            <a:r>
+              <a:rPr lang="en-US" altLang="zh-CN" sz="1800" dirty="0">
+                <a:latin typeface="Arial" panose="020B0604020202020204" pitchFamily="34" charset="0"/>
+                <a:ea typeface="黑体" panose="02010609060101010101" pitchFamily="49" charset="-122"/>
+                <a:cs typeface="Arial" panose="020B0604020202020204" pitchFamily="34" charset="0"/>
+              </a:rPr>
+              <a:t>Timber house</a:t>
+            </a:r>
+            <a:endParaRPr lang="zh-CN" altLang="en-US" sz="1800" dirty="0">
+              <a:latin typeface="Arial" panose="020B0604020202020204" pitchFamily="34" charset="0"/>
+              <a:ea typeface="黑体" panose="02010609060101010101" pitchFamily="49" charset="-122"/>
+              <a:cs typeface="Arial" panose="020B0604020202020204" pitchFamily="34" charset="0"/>
+            </a:endParaRPr>
+          </a:p>
+        </p:txBody>
+      </p:sp>
+      <p:pic>
+        <p:nvPicPr>
+          <p:cNvPr id="4" name="图片 3">
+            <a:extLst>
+              <a:ext uri="{FF2B5EF4-FFF2-40B4-BE49-F238E27FC236}">
+                <a16:creationId xmlns:a16="http://schemas.microsoft.com/office/drawing/2014/main" id="{768BF8C6-63E4-4EFD-A00B-F4EC29086F8B}"/>
+              </a:ext>
+            </a:extLst>
+          </p:cNvPr>
+          <p:cNvPicPr>
+            <a:picLocks noChangeAspect="1"/>
+          </p:cNvPicPr>
+          <p:nvPr/>
+        </p:nvPicPr>
+        <p:blipFill>
+          <a:blip r:embed="rId2"/>
+          <a:stretch>
+            <a:fillRect/>
+          </a:stretch>
+        </p:blipFill>
+        <p:spPr>
+          <a:xfrm>
+            <a:off x="316794" y="1898374"/>
+            <a:ext cx="2151203" cy="2865368"/>
+          </a:xfrm>
+          <a:prstGeom prst="rect">
+            <a:avLst/>
+          </a:prstGeom>
+        </p:spPr>
+      </p:pic>
+      <p:pic>
+        <p:nvPicPr>
+          <p:cNvPr id="6" name="图片 5">
+            <a:extLst>
+              <a:ext uri="{FF2B5EF4-FFF2-40B4-BE49-F238E27FC236}">
+                <a16:creationId xmlns:a16="http://schemas.microsoft.com/office/drawing/2014/main" id="{E56E2352-7A28-4D99-8818-EDC4C5C385B4}"/>
+              </a:ext>
+            </a:extLst>
+          </p:cNvPr>
+          <p:cNvPicPr>
+            <a:picLocks noChangeAspect="1"/>
+          </p:cNvPicPr>
+          <p:nvPr/>
+        </p:nvPicPr>
+        <p:blipFill>
+          <a:blip r:embed="rId3"/>
+          <a:stretch>
+            <a:fillRect/>
+          </a:stretch>
+        </p:blipFill>
+        <p:spPr>
+          <a:xfrm>
+            <a:off x="2312913" y="3891997"/>
+            <a:ext cx="2550773" cy="2865368"/>
+          </a:xfrm>
+          <a:prstGeom prst="rect">
+            <a:avLst/>
+          </a:prstGeom>
+        </p:spPr>
+      </p:pic>
+      <p:pic>
+        <p:nvPicPr>
+          <p:cNvPr id="7" name="图片 6">
+            <a:extLst>
+              <a:ext uri="{FF2B5EF4-FFF2-40B4-BE49-F238E27FC236}">
+                <a16:creationId xmlns:a16="http://schemas.microsoft.com/office/drawing/2014/main" id="{713BEA0D-0D56-4413-A9FE-34C2F1D44CF6}"/>
+              </a:ext>
+            </a:extLst>
+          </p:cNvPr>
+          <p:cNvPicPr>
+            <a:picLocks noChangeAspect="1"/>
+          </p:cNvPicPr>
+          <p:nvPr/>
+        </p:nvPicPr>
+        <p:blipFill>
+          <a:blip r:embed="rId4"/>
+          <a:stretch>
+            <a:fillRect/>
+          </a:stretch>
+        </p:blipFill>
+        <p:spPr>
+          <a:xfrm>
+            <a:off x="6270009" y="3833167"/>
+            <a:ext cx="2468208" cy="2983027"/>
+          </a:xfrm>
+          <a:prstGeom prst="rect">
+            <a:avLst/>
+          </a:prstGeom>
+        </p:spPr>
+      </p:pic>
+      <p:pic>
+        <p:nvPicPr>
+          <p:cNvPr id="9" name="图片 8">
+            <a:extLst>
+              <a:ext uri="{FF2B5EF4-FFF2-40B4-BE49-F238E27FC236}">
+                <a16:creationId xmlns:a16="http://schemas.microsoft.com/office/drawing/2014/main" id="{69FF195E-2AEE-45AA-AF72-04C23E4D7B1F}"/>
+              </a:ext>
+            </a:extLst>
+          </p:cNvPr>
+          <p:cNvPicPr>
+            <a:picLocks noChangeAspect="1"/>
+          </p:cNvPicPr>
+          <p:nvPr/>
+        </p:nvPicPr>
+        <p:blipFill>
+          <a:blip r:embed="rId5"/>
+          <a:stretch>
+            <a:fillRect/>
+          </a:stretch>
+        </p:blipFill>
+        <p:spPr>
+          <a:xfrm>
+            <a:off x="3636832" y="1281113"/>
+            <a:ext cx="2565430" cy="3112161"/>
+          </a:xfrm>
+          <a:prstGeom prst="rect">
+            <a:avLst/>
+          </a:prstGeom>
+        </p:spPr>
+      </p:pic>
+    </p:spTree>
+    <p:extLst>
+      <p:ext uri="{BB962C8B-B14F-4D97-AF65-F5344CB8AC3E}">
+        <p14:creationId xmlns:p14="http://schemas.microsoft.com/office/powerpoint/2010/main" val="2830485559"/>
       </p:ext>
     </p:extLst>
   </p:cSld>
@@ -4602,6 +5356,1370 @@
       </p:sp>
       <p:sp>
         <p:nvSpPr>
+          <p:cNvPr id="11" name="文本框 10">
+            <a:extLst>
+              <a:ext uri="{FF2B5EF4-FFF2-40B4-BE49-F238E27FC236}">
+                <a16:creationId xmlns:a16="http://schemas.microsoft.com/office/drawing/2014/main" id="{9AAB71D8-A81B-475F-8B75-3BEC5CEE1C39}"/>
+              </a:ext>
+            </a:extLst>
+          </p:cNvPr>
+          <p:cNvSpPr txBox="1"/>
+          <p:nvPr/>
+        </p:nvSpPr>
+        <p:spPr>
+          <a:xfrm>
+            <a:off x="602901" y="1587640"/>
+            <a:ext cx="4572000" cy="369332"/>
+          </a:xfrm>
+          <a:prstGeom prst="rect">
+            <a:avLst/>
+          </a:prstGeom>
+          <a:noFill/>
+        </p:spPr>
+        <p:txBody>
+          <a:bodyPr wrap="square" rtlCol="0">
+            <a:spAutoFit/>
+          </a:bodyPr>
+          <a:lstStyle/>
+          <a:p>
+            <a:r>
+              <a:rPr lang="en-US" altLang="zh-CN" sz="1800" dirty="0" err="1">
+                <a:latin typeface="Arial" panose="020B0604020202020204" pitchFamily="34" charset="0"/>
+                <a:ea typeface="黑体" panose="02010609060101010101" pitchFamily="49" charset="-122"/>
+                <a:cs typeface="Arial" panose="020B0604020202020204" pitchFamily="34" charset="0"/>
+              </a:rPr>
+              <a:t>Angular_Block_Sm_line</a:t>
+            </a:r>
+            <a:r>
+              <a:rPr lang="en-US" altLang="zh-CN" sz="1800" dirty="0">
+                <a:latin typeface="Arial" panose="020B0604020202020204" pitchFamily="34" charset="0"/>
+                <a:ea typeface="黑体" panose="02010609060101010101" pitchFamily="49" charset="-122"/>
+                <a:cs typeface="Arial" panose="020B0604020202020204" pitchFamily="34" charset="0"/>
+              </a:rPr>
+              <a:t> v6</a:t>
+            </a:r>
+            <a:endParaRPr lang="zh-CN" altLang="en-US" sz="1800" dirty="0">
+              <a:latin typeface="Arial" panose="020B0604020202020204" pitchFamily="34" charset="0"/>
+              <a:ea typeface="黑体" panose="02010609060101010101" pitchFamily="49" charset="-122"/>
+              <a:cs typeface="Arial" panose="020B0604020202020204" pitchFamily="34" charset="0"/>
+            </a:endParaRPr>
+          </a:p>
+        </p:txBody>
+      </p:sp>
+      <p:pic>
+        <p:nvPicPr>
+          <p:cNvPr id="3" name="图片 2">
+            <a:extLst>
+              <a:ext uri="{FF2B5EF4-FFF2-40B4-BE49-F238E27FC236}">
+                <a16:creationId xmlns:a16="http://schemas.microsoft.com/office/drawing/2014/main" id="{C9DB4BF8-F994-4525-8A66-D759BA94E22B}"/>
+              </a:ext>
+            </a:extLst>
+          </p:cNvPr>
+          <p:cNvPicPr>
+            <a:picLocks noChangeAspect="1"/>
+          </p:cNvPicPr>
+          <p:nvPr/>
+        </p:nvPicPr>
+        <p:blipFill>
+          <a:blip r:embed="rId3"/>
+          <a:stretch>
+            <a:fillRect/>
+          </a:stretch>
+        </p:blipFill>
+        <p:spPr>
+          <a:xfrm>
+            <a:off x="6926871" y="4304371"/>
+            <a:ext cx="2199787" cy="2553629"/>
+          </a:xfrm>
+          <a:prstGeom prst="rect">
+            <a:avLst/>
+          </a:prstGeom>
+        </p:spPr>
+      </p:pic>
+      <p:pic>
+        <p:nvPicPr>
+          <p:cNvPr id="7" name="图片 6">
+            <a:extLst>
+              <a:ext uri="{FF2B5EF4-FFF2-40B4-BE49-F238E27FC236}">
+                <a16:creationId xmlns:a16="http://schemas.microsoft.com/office/drawing/2014/main" id="{7D825522-2F36-4156-AE7E-3E4F91C77E52}"/>
+              </a:ext>
+            </a:extLst>
+          </p:cNvPr>
+          <p:cNvPicPr>
+            <a:picLocks noChangeAspect="1"/>
+          </p:cNvPicPr>
+          <p:nvPr/>
+        </p:nvPicPr>
+        <p:blipFill>
+          <a:blip r:embed="rId4"/>
+          <a:stretch>
+            <a:fillRect/>
+          </a:stretch>
+        </p:blipFill>
+        <p:spPr>
+          <a:xfrm>
+            <a:off x="17342" y="3429000"/>
+            <a:ext cx="3065234" cy="3481439"/>
+          </a:xfrm>
+          <a:prstGeom prst="rect">
+            <a:avLst/>
+          </a:prstGeom>
+        </p:spPr>
+      </p:pic>
+      <p:pic>
+        <p:nvPicPr>
+          <p:cNvPr id="8" name="图片 7">
+            <a:extLst>
+              <a:ext uri="{FF2B5EF4-FFF2-40B4-BE49-F238E27FC236}">
+                <a16:creationId xmlns:a16="http://schemas.microsoft.com/office/drawing/2014/main" id="{DC68F315-54EB-491F-ADF1-36BE2B84E123}"/>
+              </a:ext>
+            </a:extLst>
+          </p:cNvPr>
+          <p:cNvPicPr>
+            <a:picLocks noChangeAspect="1"/>
+          </p:cNvPicPr>
+          <p:nvPr/>
+        </p:nvPicPr>
+        <p:blipFill>
+          <a:blip r:embed="rId5"/>
+          <a:stretch>
+            <a:fillRect/>
+          </a:stretch>
+        </p:blipFill>
+        <p:spPr>
+          <a:xfrm>
+            <a:off x="3049173" y="3428999"/>
+            <a:ext cx="2765365" cy="3481439"/>
+          </a:xfrm>
+          <a:prstGeom prst="rect">
+            <a:avLst/>
+          </a:prstGeom>
+        </p:spPr>
+      </p:pic>
+      <p:pic>
+        <p:nvPicPr>
+          <p:cNvPr id="9" name="图片 8">
+            <a:extLst>
+              <a:ext uri="{FF2B5EF4-FFF2-40B4-BE49-F238E27FC236}">
+                <a16:creationId xmlns:a16="http://schemas.microsoft.com/office/drawing/2014/main" id="{4782D11B-6BF4-4FA5-9310-567E3C98839C}"/>
+              </a:ext>
+            </a:extLst>
+          </p:cNvPr>
+          <p:cNvPicPr>
+            <a:picLocks noChangeAspect="1"/>
+          </p:cNvPicPr>
+          <p:nvPr/>
+        </p:nvPicPr>
+        <p:blipFill>
+          <a:blip r:embed="rId6"/>
+          <a:stretch>
+            <a:fillRect/>
+          </a:stretch>
+        </p:blipFill>
+        <p:spPr>
+          <a:xfrm>
+            <a:off x="5522502" y="1270137"/>
+            <a:ext cx="2199787" cy="2800800"/>
+          </a:xfrm>
+          <a:prstGeom prst="rect">
+            <a:avLst/>
+          </a:prstGeom>
+        </p:spPr>
+      </p:pic>
+    </p:spTree>
+    <p:extLst>
+      <p:ext uri="{BB962C8B-B14F-4D97-AF65-F5344CB8AC3E}">
+        <p14:creationId xmlns:p14="http://schemas.microsoft.com/office/powerpoint/2010/main" val="2964622260"/>
+      </p:ext>
+    </p:extLst>
+  </p:cSld>
+  <p:clrMapOvr>
+    <a:masterClrMapping/>
+  </p:clrMapOvr>
+</p:sld>
+</file>
+
+<file path=ppt/slides/slide3.xml><?xml version="1.0" encoding="utf-8"?>
+<p:sld xmlns:a="http://schemas.openxmlformats.org/drawingml/2006/main" xmlns:r="http://schemas.openxmlformats.org/officeDocument/2006/relationships" xmlns:p="http://schemas.openxmlformats.org/presentationml/2006/main">
+  <p:cSld>
+    <p:spTree>
+      <p:nvGrpSpPr>
+        <p:cNvPr id="1" name=""/>
+        <p:cNvGrpSpPr/>
+        <p:nvPr/>
+      </p:nvGrpSpPr>
+      <p:grpSpPr>
+        <a:xfrm>
+          <a:off x="0" y="0"/>
+          <a:ext cx="0" cy="0"/>
+          <a:chOff x="0" y="0"/>
+          <a:chExt cx="0" cy="0"/>
+        </a:xfrm>
+      </p:grpSpPr>
+      <p:sp>
+        <p:nvSpPr>
+          <p:cNvPr id="2" name="标题 1"/>
+          <p:cNvSpPr>
+            <a:spLocks noGrp="1"/>
+          </p:cNvSpPr>
+          <p:nvPr>
+            <p:ph type="title"/>
+          </p:nvPr>
+        </p:nvSpPr>
+        <p:spPr>
+          <a:xfrm>
+            <a:off x="890649" y="276225"/>
+            <a:ext cx="6613464" cy="1004888"/>
+          </a:xfrm>
+        </p:spPr>
+        <p:txBody>
+          <a:bodyPr/>
+          <a:lstStyle/>
+          <a:p>
+            <a:r>
+              <a:rPr lang="zh-CN" altLang="en-US" dirty="0"/>
+              <a:t>结果展示</a:t>
+            </a:r>
+            <a:endParaRPr lang="en-US" altLang="zh-CN" dirty="0"/>
+          </a:p>
+        </p:txBody>
+      </p:sp>
+      <p:sp>
+        <p:nvSpPr>
+          <p:cNvPr id="11" name="文本框 10">
+            <a:extLst>
+              <a:ext uri="{FF2B5EF4-FFF2-40B4-BE49-F238E27FC236}">
+                <a16:creationId xmlns:a16="http://schemas.microsoft.com/office/drawing/2014/main" id="{9AAB71D8-A81B-475F-8B75-3BEC5CEE1C39}"/>
+              </a:ext>
+            </a:extLst>
+          </p:cNvPr>
+          <p:cNvSpPr txBox="1"/>
+          <p:nvPr/>
+        </p:nvSpPr>
+        <p:spPr>
+          <a:xfrm>
+            <a:off x="602901" y="1587640"/>
+            <a:ext cx="4572000" cy="369332"/>
+          </a:xfrm>
+          <a:prstGeom prst="rect">
+            <a:avLst/>
+          </a:prstGeom>
+          <a:noFill/>
+        </p:spPr>
+        <p:txBody>
+          <a:bodyPr wrap="square" rtlCol="0">
+            <a:spAutoFit/>
+          </a:bodyPr>
+          <a:lstStyle/>
+          <a:p>
+            <a:r>
+              <a:rPr lang="en-US" altLang="zh-CN" sz="1800" dirty="0" err="1">
+                <a:latin typeface="Arial" panose="020B0604020202020204" pitchFamily="34" charset="0"/>
+                <a:ea typeface="黑体" panose="02010609060101010101" pitchFamily="49" charset="-122"/>
+                <a:cs typeface="Arial" panose="020B0604020202020204" pitchFamily="34" charset="0"/>
+              </a:rPr>
+              <a:t>cuboctahedron_to_dual_line</a:t>
+            </a:r>
+            <a:r>
+              <a:rPr lang="en-US" altLang="zh-CN" sz="1800" dirty="0">
+                <a:latin typeface="Arial" panose="020B0604020202020204" pitchFamily="34" charset="0"/>
+                <a:ea typeface="黑体" panose="02010609060101010101" pitchFamily="49" charset="-122"/>
+                <a:cs typeface="Arial" panose="020B0604020202020204" pitchFamily="34" charset="0"/>
+              </a:rPr>
+              <a:t> v4</a:t>
+            </a:r>
+            <a:endParaRPr lang="zh-CN" altLang="en-US" sz="1800" dirty="0">
+              <a:latin typeface="Arial" panose="020B0604020202020204" pitchFamily="34" charset="0"/>
+              <a:ea typeface="黑体" panose="02010609060101010101" pitchFamily="49" charset="-122"/>
+              <a:cs typeface="Arial" panose="020B0604020202020204" pitchFamily="34" charset="0"/>
+            </a:endParaRPr>
+          </a:p>
+        </p:txBody>
+      </p:sp>
+      <p:pic>
+        <p:nvPicPr>
+          <p:cNvPr id="4" name="图片 3">
+            <a:extLst>
+              <a:ext uri="{FF2B5EF4-FFF2-40B4-BE49-F238E27FC236}">
+                <a16:creationId xmlns:a16="http://schemas.microsoft.com/office/drawing/2014/main" id="{85575EBC-CCDF-442E-8208-E8CE7E1F95B4}"/>
+              </a:ext>
+            </a:extLst>
+          </p:cNvPr>
+          <p:cNvPicPr>
+            <a:picLocks noChangeAspect="1"/>
+          </p:cNvPicPr>
+          <p:nvPr/>
+        </p:nvPicPr>
+        <p:blipFill>
+          <a:blip r:embed="rId3"/>
+          <a:stretch>
+            <a:fillRect/>
+          </a:stretch>
+        </p:blipFill>
+        <p:spPr>
+          <a:xfrm>
+            <a:off x="6545459" y="4070937"/>
+            <a:ext cx="2598541" cy="2787063"/>
+          </a:xfrm>
+          <a:prstGeom prst="rect">
+            <a:avLst/>
+          </a:prstGeom>
+        </p:spPr>
+      </p:pic>
+      <p:pic>
+        <p:nvPicPr>
+          <p:cNvPr id="5" name="图片 4">
+            <a:extLst>
+              <a:ext uri="{FF2B5EF4-FFF2-40B4-BE49-F238E27FC236}">
+                <a16:creationId xmlns:a16="http://schemas.microsoft.com/office/drawing/2014/main" id="{4F64DD6E-FF26-47BF-A882-2696AE974668}"/>
+              </a:ext>
+            </a:extLst>
+          </p:cNvPr>
+          <p:cNvPicPr>
+            <a:picLocks noChangeAspect="1"/>
+          </p:cNvPicPr>
+          <p:nvPr/>
+        </p:nvPicPr>
+        <p:blipFill>
+          <a:blip r:embed="rId4"/>
+          <a:stretch>
+            <a:fillRect/>
+          </a:stretch>
+        </p:blipFill>
+        <p:spPr>
+          <a:xfrm>
+            <a:off x="119175" y="2166731"/>
+            <a:ext cx="2929998" cy="3175344"/>
+          </a:xfrm>
+          <a:prstGeom prst="rect">
+            <a:avLst/>
+          </a:prstGeom>
+        </p:spPr>
+      </p:pic>
+      <p:pic>
+        <p:nvPicPr>
+          <p:cNvPr id="6" name="图片 5">
+            <a:extLst>
+              <a:ext uri="{FF2B5EF4-FFF2-40B4-BE49-F238E27FC236}">
+                <a16:creationId xmlns:a16="http://schemas.microsoft.com/office/drawing/2014/main" id="{C2A79ED8-321A-4AF3-8170-F21B774DDDDC}"/>
+              </a:ext>
+            </a:extLst>
+          </p:cNvPr>
+          <p:cNvPicPr>
+            <a:picLocks noChangeAspect="1"/>
+          </p:cNvPicPr>
+          <p:nvPr/>
+        </p:nvPicPr>
+        <p:blipFill>
+          <a:blip r:embed="rId5"/>
+          <a:stretch>
+            <a:fillRect/>
+          </a:stretch>
+        </p:blipFill>
+        <p:spPr>
+          <a:xfrm>
+            <a:off x="3049173" y="3617329"/>
+            <a:ext cx="2776624" cy="3175344"/>
+          </a:xfrm>
+          <a:prstGeom prst="rect">
+            <a:avLst/>
+          </a:prstGeom>
+        </p:spPr>
+      </p:pic>
+      <p:pic>
+        <p:nvPicPr>
+          <p:cNvPr id="10" name="图片 9">
+            <a:extLst>
+              <a:ext uri="{FF2B5EF4-FFF2-40B4-BE49-F238E27FC236}">
+                <a16:creationId xmlns:a16="http://schemas.microsoft.com/office/drawing/2014/main" id="{FE60D167-2EC7-4849-B99F-A88B782EAC85}"/>
+              </a:ext>
+            </a:extLst>
+          </p:cNvPr>
+          <p:cNvPicPr>
+            <a:picLocks noChangeAspect="1"/>
+          </p:cNvPicPr>
+          <p:nvPr/>
+        </p:nvPicPr>
+        <p:blipFill>
+          <a:blip r:embed="rId6"/>
+          <a:stretch>
+            <a:fillRect/>
+          </a:stretch>
+        </p:blipFill>
+        <p:spPr>
+          <a:xfrm>
+            <a:off x="5506358" y="1281113"/>
+            <a:ext cx="2598541" cy="2696767"/>
+          </a:xfrm>
+          <a:prstGeom prst="rect">
+            <a:avLst/>
+          </a:prstGeom>
+        </p:spPr>
+      </p:pic>
+    </p:spTree>
+    <p:extLst>
+      <p:ext uri="{BB962C8B-B14F-4D97-AF65-F5344CB8AC3E}">
+        <p14:creationId xmlns:p14="http://schemas.microsoft.com/office/powerpoint/2010/main" val="3634396347"/>
+      </p:ext>
+    </p:extLst>
+  </p:cSld>
+  <p:clrMapOvr>
+    <a:masterClrMapping/>
+  </p:clrMapOvr>
+</p:sld>
+</file>
+
+<file path=ppt/slides/slide4.xml><?xml version="1.0" encoding="utf-8"?>
+<p:sld xmlns:a="http://schemas.openxmlformats.org/drawingml/2006/main" xmlns:r="http://schemas.openxmlformats.org/officeDocument/2006/relationships" xmlns:p="http://schemas.openxmlformats.org/presentationml/2006/main">
+  <p:cSld>
+    <p:spTree>
+      <p:nvGrpSpPr>
+        <p:cNvPr id="1" name=""/>
+        <p:cNvGrpSpPr/>
+        <p:nvPr/>
+      </p:nvGrpSpPr>
+      <p:grpSpPr>
+        <a:xfrm>
+          <a:off x="0" y="0"/>
+          <a:ext cx="0" cy="0"/>
+          <a:chOff x="0" y="0"/>
+          <a:chExt cx="0" cy="0"/>
+        </a:xfrm>
+      </p:grpSpPr>
+      <p:sp>
+        <p:nvSpPr>
+          <p:cNvPr id="2" name="标题 1"/>
+          <p:cNvSpPr>
+            <a:spLocks noGrp="1"/>
+          </p:cNvSpPr>
+          <p:nvPr>
+            <p:ph type="title"/>
+          </p:nvPr>
+        </p:nvSpPr>
+        <p:spPr>
+          <a:xfrm>
+            <a:off x="890649" y="276225"/>
+            <a:ext cx="6613464" cy="1004888"/>
+          </a:xfrm>
+        </p:spPr>
+        <p:txBody>
+          <a:bodyPr/>
+          <a:lstStyle/>
+          <a:p>
+            <a:r>
+              <a:rPr lang="zh-CN" altLang="en-US" dirty="0"/>
+              <a:t>结果展示</a:t>
+            </a:r>
+            <a:endParaRPr lang="en-US" altLang="zh-CN" dirty="0"/>
+          </a:p>
+        </p:txBody>
+      </p:sp>
+      <p:sp>
+        <p:nvSpPr>
+          <p:cNvPr id="11" name="文本框 10">
+            <a:extLst>
+              <a:ext uri="{FF2B5EF4-FFF2-40B4-BE49-F238E27FC236}">
+                <a16:creationId xmlns:a16="http://schemas.microsoft.com/office/drawing/2014/main" id="{9AAB71D8-A81B-475F-8B75-3BEC5CEE1C39}"/>
+              </a:ext>
+            </a:extLst>
+          </p:cNvPr>
+          <p:cNvSpPr txBox="1"/>
+          <p:nvPr/>
+        </p:nvSpPr>
+        <p:spPr>
+          <a:xfrm>
+            <a:off x="602901" y="1587640"/>
+            <a:ext cx="4572000" cy="369332"/>
+          </a:xfrm>
+          <a:prstGeom prst="rect">
+            <a:avLst/>
+          </a:prstGeom>
+          <a:noFill/>
+        </p:spPr>
+        <p:txBody>
+          <a:bodyPr wrap="square" rtlCol="0">
+            <a:spAutoFit/>
+          </a:bodyPr>
+          <a:lstStyle/>
+          <a:p>
+            <a:r>
+              <a:rPr lang="en-US" altLang="zh-CN" sz="1800" dirty="0">
+                <a:latin typeface="Arial" panose="020B0604020202020204" pitchFamily="34" charset="0"/>
+                <a:ea typeface="黑体" panose="02010609060101010101" pitchFamily="49" charset="-122"/>
+                <a:cs typeface="Arial" panose="020B0604020202020204" pitchFamily="34" charset="0"/>
+              </a:rPr>
+              <a:t>j9_line v15</a:t>
+            </a:r>
+            <a:endParaRPr lang="zh-CN" altLang="en-US" sz="1800" dirty="0">
+              <a:latin typeface="Arial" panose="020B0604020202020204" pitchFamily="34" charset="0"/>
+              <a:ea typeface="黑体" panose="02010609060101010101" pitchFamily="49" charset="-122"/>
+              <a:cs typeface="Arial" panose="020B0604020202020204" pitchFamily="34" charset="0"/>
+            </a:endParaRPr>
+          </a:p>
+        </p:txBody>
+      </p:sp>
+      <p:pic>
+        <p:nvPicPr>
+          <p:cNvPr id="3" name="图片 2">
+            <a:extLst>
+              <a:ext uri="{FF2B5EF4-FFF2-40B4-BE49-F238E27FC236}">
+                <a16:creationId xmlns:a16="http://schemas.microsoft.com/office/drawing/2014/main" id="{2031A792-2A09-493D-88BE-DDBFE5F70429}"/>
+              </a:ext>
+            </a:extLst>
+          </p:cNvPr>
+          <p:cNvPicPr>
+            <a:picLocks noChangeAspect="1"/>
+          </p:cNvPicPr>
+          <p:nvPr/>
+        </p:nvPicPr>
+        <p:blipFill>
+          <a:blip r:embed="rId3"/>
+          <a:stretch>
+            <a:fillRect/>
+          </a:stretch>
+        </p:blipFill>
+        <p:spPr>
+          <a:xfrm>
+            <a:off x="123879" y="2113898"/>
+            <a:ext cx="2925294" cy="3006861"/>
+          </a:xfrm>
+          <a:prstGeom prst="rect">
+            <a:avLst/>
+          </a:prstGeom>
+        </p:spPr>
+      </p:pic>
+      <p:pic>
+        <p:nvPicPr>
+          <p:cNvPr id="7" name="图片 6">
+            <a:extLst>
+              <a:ext uri="{FF2B5EF4-FFF2-40B4-BE49-F238E27FC236}">
+                <a16:creationId xmlns:a16="http://schemas.microsoft.com/office/drawing/2014/main" id="{9239E9BF-E238-4AD5-8B9E-C619F02BC628}"/>
+              </a:ext>
+            </a:extLst>
+          </p:cNvPr>
+          <p:cNvPicPr>
+            <a:picLocks noChangeAspect="1"/>
+          </p:cNvPicPr>
+          <p:nvPr/>
+        </p:nvPicPr>
+        <p:blipFill>
+          <a:blip r:embed="rId4"/>
+          <a:stretch>
+            <a:fillRect/>
+          </a:stretch>
+        </p:blipFill>
+        <p:spPr>
+          <a:xfrm>
+            <a:off x="3049173" y="3522629"/>
+            <a:ext cx="2900651" cy="3196259"/>
+          </a:xfrm>
+          <a:prstGeom prst="rect">
+            <a:avLst/>
+          </a:prstGeom>
+        </p:spPr>
+      </p:pic>
+      <p:pic>
+        <p:nvPicPr>
+          <p:cNvPr id="8" name="图片 7">
+            <a:extLst>
+              <a:ext uri="{FF2B5EF4-FFF2-40B4-BE49-F238E27FC236}">
+                <a16:creationId xmlns:a16="http://schemas.microsoft.com/office/drawing/2014/main" id="{68482A7E-51DC-4847-9EFE-C7A745825008}"/>
+              </a:ext>
+            </a:extLst>
+          </p:cNvPr>
+          <p:cNvPicPr>
+            <a:picLocks noChangeAspect="1"/>
+          </p:cNvPicPr>
+          <p:nvPr/>
+        </p:nvPicPr>
+        <p:blipFill>
+          <a:blip r:embed="rId5"/>
+          <a:stretch>
+            <a:fillRect/>
+          </a:stretch>
+        </p:blipFill>
+        <p:spPr>
+          <a:xfrm>
+            <a:off x="5174901" y="1281113"/>
+            <a:ext cx="2441832" cy="2516783"/>
+          </a:xfrm>
+          <a:prstGeom prst="rect">
+            <a:avLst/>
+          </a:prstGeom>
+        </p:spPr>
+      </p:pic>
+      <p:pic>
+        <p:nvPicPr>
+          <p:cNvPr id="9" name="图片 8">
+            <a:extLst>
+              <a:ext uri="{FF2B5EF4-FFF2-40B4-BE49-F238E27FC236}">
+                <a16:creationId xmlns:a16="http://schemas.microsoft.com/office/drawing/2014/main" id="{04EE02F2-C0CA-4C4A-B825-ED3AD45344F6}"/>
+              </a:ext>
+            </a:extLst>
+          </p:cNvPr>
+          <p:cNvPicPr>
+            <a:picLocks noChangeAspect="1"/>
+          </p:cNvPicPr>
+          <p:nvPr/>
+        </p:nvPicPr>
+        <p:blipFill>
+          <a:blip r:embed="rId6"/>
+          <a:stretch>
+            <a:fillRect/>
+          </a:stretch>
+        </p:blipFill>
+        <p:spPr>
+          <a:xfrm>
+            <a:off x="6243349" y="3977971"/>
+            <a:ext cx="2900651" cy="2880029"/>
+          </a:xfrm>
+          <a:prstGeom prst="rect">
+            <a:avLst/>
+          </a:prstGeom>
+        </p:spPr>
+      </p:pic>
+    </p:spTree>
+    <p:extLst>
+      <p:ext uri="{BB962C8B-B14F-4D97-AF65-F5344CB8AC3E}">
+        <p14:creationId xmlns:p14="http://schemas.microsoft.com/office/powerpoint/2010/main" val="1689277135"/>
+      </p:ext>
+    </p:extLst>
+  </p:cSld>
+  <p:clrMapOvr>
+    <a:masterClrMapping/>
+  </p:clrMapOvr>
+</p:sld>
+</file>
+
+<file path=ppt/slides/slide5.xml><?xml version="1.0" encoding="utf-8"?>
+<p:sld xmlns:a="http://schemas.openxmlformats.org/drawingml/2006/main" xmlns:r="http://schemas.openxmlformats.org/officeDocument/2006/relationships" xmlns:p="http://schemas.openxmlformats.org/presentationml/2006/main">
+  <p:cSld>
+    <p:spTree>
+      <p:nvGrpSpPr>
+        <p:cNvPr id="1" name=""/>
+        <p:cNvGrpSpPr/>
+        <p:nvPr/>
+      </p:nvGrpSpPr>
+      <p:grpSpPr>
+        <a:xfrm>
+          <a:off x="0" y="0"/>
+          <a:ext cx="0" cy="0"/>
+          <a:chOff x="0" y="0"/>
+          <a:chExt cx="0" cy="0"/>
+        </a:xfrm>
+      </p:grpSpPr>
+      <p:sp>
+        <p:nvSpPr>
+          <p:cNvPr id="2" name="标题 1"/>
+          <p:cNvSpPr>
+            <a:spLocks noGrp="1"/>
+          </p:cNvSpPr>
+          <p:nvPr>
+            <p:ph type="title"/>
+          </p:nvPr>
+        </p:nvSpPr>
+        <p:spPr>
+          <a:xfrm>
+            <a:off x="890649" y="276225"/>
+            <a:ext cx="6613464" cy="1004888"/>
+          </a:xfrm>
+        </p:spPr>
+        <p:txBody>
+          <a:bodyPr/>
+          <a:lstStyle/>
+          <a:p>
+            <a:r>
+              <a:rPr lang="zh-CN" altLang="en-US" dirty="0"/>
+              <a:t>结果展示</a:t>
+            </a:r>
+            <a:endParaRPr lang="en-US" altLang="zh-CN" dirty="0"/>
+          </a:p>
+        </p:txBody>
+      </p:sp>
+      <p:sp>
+        <p:nvSpPr>
+          <p:cNvPr id="11" name="文本框 10">
+            <a:extLst>
+              <a:ext uri="{FF2B5EF4-FFF2-40B4-BE49-F238E27FC236}">
+                <a16:creationId xmlns:a16="http://schemas.microsoft.com/office/drawing/2014/main" id="{9AAB71D8-A81B-475F-8B75-3BEC5CEE1C39}"/>
+              </a:ext>
+            </a:extLst>
+          </p:cNvPr>
+          <p:cNvSpPr txBox="1"/>
+          <p:nvPr/>
+        </p:nvSpPr>
+        <p:spPr>
+          <a:xfrm>
+            <a:off x="602901" y="1587640"/>
+            <a:ext cx="4572000" cy="369332"/>
+          </a:xfrm>
+          <a:prstGeom prst="rect">
+            <a:avLst/>
+          </a:prstGeom>
+          <a:noFill/>
+        </p:spPr>
+        <p:txBody>
+          <a:bodyPr wrap="square" rtlCol="0">
+            <a:spAutoFit/>
+          </a:bodyPr>
+          <a:lstStyle/>
+          <a:p>
+            <a:r>
+              <a:rPr lang="en-US" altLang="zh-CN" sz="1800" dirty="0" err="1">
+                <a:latin typeface="Arial" panose="020B0604020202020204" pitchFamily="34" charset="0"/>
+                <a:ea typeface="黑体" panose="02010609060101010101" pitchFamily="49" charset="-122"/>
+                <a:cs typeface="Arial" panose="020B0604020202020204" pitchFamily="34" charset="0"/>
+              </a:rPr>
+              <a:t>laser_chess_pyramid_line</a:t>
+            </a:r>
+            <a:r>
+              <a:rPr lang="en-US" altLang="zh-CN" sz="1800" dirty="0">
+                <a:latin typeface="Arial" panose="020B0604020202020204" pitchFamily="34" charset="0"/>
+                <a:ea typeface="黑体" panose="02010609060101010101" pitchFamily="49" charset="-122"/>
+                <a:cs typeface="Arial" panose="020B0604020202020204" pitchFamily="34" charset="0"/>
+              </a:rPr>
+              <a:t> v16</a:t>
+            </a:r>
+            <a:endParaRPr lang="zh-CN" altLang="en-US" sz="1800" dirty="0">
+              <a:latin typeface="Arial" panose="020B0604020202020204" pitchFamily="34" charset="0"/>
+              <a:ea typeface="黑体" panose="02010609060101010101" pitchFamily="49" charset="-122"/>
+              <a:cs typeface="Arial" panose="020B0604020202020204" pitchFamily="34" charset="0"/>
+            </a:endParaRPr>
+          </a:p>
+        </p:txBody>
+      </p:sp>
+      <p:pic>
+        <p:nvPicPr>
+          <p:cNvPr id="4" name="图片 3">
+            <a:extLst>
+              <a:ext uri="{FF2B5EF4-FFF2-40B4-BE49-F238E27FC236}">
+                <a16:creationId xmlns:a16="http://schemas.microsoft.com/office/drawing/2014/main" id="{8A2ACF7C-B762-4C07-B84C-225CACD998F9}"/>
+              </a:ext>
+            </a:extLst>
+          </p:cNvPr>
+          <p:cNvPicPr>
+            <a:picLocks noChangeAspect="1"/>
+          </p:cNvPicPr>
+          <p:nvPr/>
+        </p:nvPicPr>
+        <p:blipFill>
+          <a:blip r:embed="rId3"/>
+          <a:stretch>
+            <a:fillRect/>
+          </a:stretch>
+        </p:blipFill>
+        <p:spPr>
+          <a:xfrm>
+            <a:off x="5592003" y="1158683"/>
+            <a:ext cx="2713186" cy="2819288"/>
+          </a:xfrm>
+          <a:prstGeom prst="rect">
+            <a:avLst/>
+          </a:prstGeom>
+        </p:spPr>
+      </p:pic>
+      <p:pic>
+        <p:nvPicPr>
+          <p:cNvPr id="5" name="图片 4">
+            <a:extLst>
+              <a:ext uri="{FF2B5EF4-FFF2-40B4-BE49-F238E27FC236}">
+                <a16:creationId xmlns:a16="http://schemas.microsoft.com/office/drawing/2014/main" id="{2C9BDE88-1A6C-4AA9-9E73-3376E5A0649C}"/>
+              </a:ext>
+            </a:extLst>
+          </p:cNvPr>
+          <p:cNvPicPr>
+            <a:picLocks noChangeAspect="1"/>
+          </p:cNvPicPr>
+          <p:nvPr/>
+        </p:nvPicPr>
+        <p:blipFill>
+          <a:blip r:embed="rId4"/>
+          <a:stretch>
+            <a:fillRect/>
+          </a:stretch>
+        </p:blipFill>
+        <p:spPr>
+          <a:xfrm>
+            <a:off x="6847424" y="3857520"/>
+            <a:ext cx="2296576" cy="3000480"/>
+          </a:xfrm>
+          <a:prstGeom prst="rect">
+            <a:avLst/>
+          </a:prstGeom>
+        </p:spPr>
+      </p:pic>
+      <p:pic>
+        <p:nvPicPr>
+          <p:cNvPr id="6" name="图片 5">
+            <a:extLst>
+              <a:ext uri="{FF2B5EF4-FFF2-40B4-BE49-F238E27FC236}">
+                <a16:creationId xmlns:a16="http://schemas.microsoft.com/office/drawing/2014/main" id="{FF81429D-0976-41FB-81D2-1014D3FFA035}"/>
+              </a:ext>
+            </a:extLst>
+          </p:cNvPr>
+          <p:cNvPicPr>
+            <a:picLocks noChangeAspect="1"/>
+          </p:cNvPicPr>
+          <p:nvPr/>
+        </p:nvPicPr>
+        <p:blipFill>
+          <a:blip r:embed="rId5"/>
+          <a:stretch>
+            <a:fillRect/>
+          </a:stretch>
+        </p:blipFill>
+        <p:spPr>
+          <a:xfrm>
+            <a:off x="115298" y="1956972"/>
+            <a:ext cx="2803527" cy="3522629"/>
+          </a:xfrm>
+          <a:prstGeom prst="rect">
+            <a:avLst/>
+          </a:prstGeom>
+        </p:spPr>
+      </p:pic>
+      <p:pic>
+        <p:nvPicPr>
+          <p:cNvPr id="10" name="图片 9">
+            <a:extLst>
+              <a:ext uri="{FF2B5EF4-FFF2-40B4-BE49-F238E27FC236}">
+                <a16:creationId xmlns:a16="http://schemas.microsoft.com/office/drawing/2014/main" id="{06358D70-39EB-4783-A064-B3921130ADF8}"/>
+              </a:ext>
+            </a:extLst>
+          </p:cNvPr>
+          <p:cNvPicPr>
+            <a:picLocks noChangeAspect="1"/>
+          </p:cNvPicPr>
+          <p:nvPr/>
+        </p:nvPicPr>
+        <p:blipFill>
+          <a:blip r:embed="rId6"/>
+          <a:stretch>
+            <a:fillRect/>
+          </a:stretch>
+        </p:blipFill>
+        <p:spPr>
+          <a:xfrm>
+            <a:off x="2793303" y="3808122"/>
+            <a:ext cx="3557394" cy="3049878"/>
+          </a:xfrm>
+          <a:prstGeom prst="rect">
+            <a:avLst/>
+          </a:prstGeom>
+        </p:spPr>
+      </p:pic>
+    </p:spTree>
+    <p:extLst>
+      <p:ext uri="{BB962C8B-B14F-4D97-AF65-F5344CB8AC3E}">
+        <p14:creationId xmlns:p14="http://schemas.microsoft.com/office/powerpoint/2010/main" val="399176962"/>
+      </p:ext>
+    </p:extLst>
+  </p:cSld>
+  <p:clrMapOvr>
+    <a:masterClrMapping/>
+  </p:clrMapOvr>
+</p:sld>
+</file>
+
+<file path=ppt/slides/slide6.xml><?xml version="1.0" encoding="utf-8"?>
+<p:sld xmlns:a="http://schemas.openxmlformats.org/drawingml/2006/main" xmlns:r="http://schemas.openxmlformats.org/officeDocument/2006/relationships" xmlns:p="http://schemas.openxmlformats.org/presentationml/2006/main">
+  <p:cSld>
+    <p:spTree>
+      <p:nvGrpSpPr>
+        <p:cNvPr id="1" name=""/>
+        <p:cNvGrpSpPr/>
+        <p:nvPr/>
+      </p:nvGrpSpPr>
+      <p:grpSpPr>
+        <a:xfrm>
+          <a:off x="0" y="0"/>
+          <a:ext cx="0" cy="0"/>
+          <a:chOff x="0" y="0"/>
+          <a:chExt cx="0" cy="0"/>
+        </a:xfrm>
+      </p:grpSpPr>
+      <p:sp>
+        <p:nvSpPr>
+          <p:cNvPr id="2" name="标题 1"/>
+          <p:cNvSpPr>
+            <a:spLocks noGrp="1"/>
+          </p:cNvSpPr>
+          <p:nvPr>
+            <p:ph type="title"/>
+          </p:nvPr>
+        </p:nvSpPr>
+        <p:spPr>
+          <a:xfrm>
+            <a:off x="890649" y="276225"/>
+            <a:ext cx="6613464" cy="1004888"/>
+          </a:xfrm>
+        </p:spPr>
+        <p:txBody>
+          <a:bodyPr/>
+          <a:lstStyle/>
+          <a:p>
+            <a:r>
+              <a:rPr lang="zh-CN" altLang="en-US" dirty="0"/>
+              <a:t>结果展示</a:t>
+            </a:r>
+            <a:endParaRPr lang="en-US" altLang="zh-CN" dirty="0"/>
+          </a:p>
+        </p:txBody>
+      </p:sp>
+      <p:sp>
+        <p:nvSpPr>
+          <p:cNvPr id="11" name="文本框 10">
+            <a:extLst>
+              <a:ext uri="{FF2B5EF4-FFF2-40B4-BE49-F238E27FC236}">
+                <a16:creationId xmlns:a16="http://schemas.microsoft.com/office/drawing/2014/main" id="{9AAB71D8-A81B-475F-8B75-3BEC5CEE1C39}"/>
+              </a:ext>
+            </a:extLst>
+          </p:cNvPr>
+          <p:cNvSpPr txBox="1"/>
+          <p:nvPr/>
+        </p:nvSpPr>
+        <p:spPr>
+          <a:xfrm>
+            <a:off x="602901" y="1587640"/>
+            <a:ext cx="4572000" cy="369332"/>
+          </a:xfrm>
+          <a:prstGeom prst="rect">
+            <a:avLst/>
+          </a:prstGeom>
+          <a:noFill/>
+        </p:spPr>
+        <p:txBody>
+          <a:bodyPr wrap="square" rtlCol="0">
+            <a:spAutoFit/>
+          </a:bodyPr>
+          <a:lstStyle/>
+          <a:p>
+            <a:r>
+              <a:rPr lang="en-US" altLang="zh-CN" sz="1800" dirty="0" err="1">
+                <a:latin typeface="Arial" panose="020B0604020202020204" pitchFamily="34" charset="0"/>
+                <a:ea typeface="黑体" panose="02010609060101010101" pitchFamily="49" charset="-122"/>
+                <a:cs typeface="Arial" panose="020B0604020202020204" pitchFamily="34" charset="0"/>
+              </a:rPr>
+              <a:t>pyramid_box_lid_line</a:t>
+            </a:r>
+            <a:r>
+              <a:rPr lang="en-US" altLang="zh-CN" sz="1800" dirty="0">
+                <a:latin typeface="Arial" panose="020B0604020202020204" pitchFamily="34" charset="0"/>
+                <a:ea typeface="黑体" panose="02010609060101010101" pitchFamily="49" charset="-122"/>
+                <a:cs typeface="Arial" panose="020B0604020202020204" pitchFamily="34" charset="0"/>
+              </a:rPr>
+              <a:t> v7</a:t>
+            </a:r>
+            <a:endParaRPr lang="zh-CN" altLang="en-US" sz="1800" dirty="0">
+              <a:latin typeface="Arial" panose="020B0604020202020204" pitchFamily="34" charset="0"/>
+              <a:ea typeface="黑体" panose="02010609060101010101" pitchFamily="49" charset="-122"/>
+              <a:cs typeface="Arial" panose="020B0604020202020204" pitchFamily="34" charset="0"/>
+            </a:endParaRPr>
+          </a:p>
+        </p:txBody>
+      </p:sp>
+      <p:pic>
+        <p:nvPicPr>
+          <p:cNvPr id="3" name="图片 2">
+            <a:extLst>
+              <a:ext uri="{FF2B5EF4-FFF2-40B4-BE49-F238E27FC236}">
+                <a16:creationId xmlns:a16="http://schemas.microsoft.com/office/drawing/2014/main" id="{913705B7-EAD7-44B4-AB7F-3B3DDB2E5A5E}"/>
+              </a:ext>
+            </a:extLst>
+          </p:cNvPr>
+          <p:cNvPicPr>
+            <a:picLocks noChangeAspect="1"/>
+          </p:cNvPicPr>
+          <p:nvPr/>
+        </p:nvPicPr>
+        <p:blipFill>
+          <a:blip r:embed="rId3"/>
+          <a:stretch>
+            <a:fillRect/>
+          </a:stretch>
+        </p:blipFill>
+        <p:spPr>
+          <a:xfrm>
+            <a:off x="0" y="2030721"/>
+            <a:ext cx="2342445" cy="2393230"/>
+          </a:xfrm>
+          <a:prstGeom prst="rect">
+            <a:avLst/>
+          </a:prstGeom>
+        </p:spPr>
+      </p:pic>
+      <p:pic>
+        <p:nvPicPr>
+          <p:cNvPr id="7" name="图片 6">
+            <a:extLst>
+              <a:ext uri="{FF2B5EF4-FFF2-40B4-BE49-F238E27FC236}">
+                <a16:creationId xmlns:a16="http://schemas.microsoft.com/office/drawing/2014/main" id="{0F858BAB-3A3F-4966-832C-8DDA2A9804AA}"/>
+              </a:ext>
+            </a:extLst>
+          </p:cNvPr>
+          <p:cNvPicPr>
+            <a:picLocks noChangeAspect="1"/>
+          </p:cNvPicPr>
+          <p:nvPr/>
+        </p:nvPicPr>
+        <p:blipFill>
+          <a:blip r:embed="rId4"/>
+          <a:stretch>
+            <a:fillRect/>
+          </a:stretch>
+        </p:blipFill>
+        <p:spPr>
+          <a:xfrm>
+            <a:off x="0" y="4179309"/>
+            <a:ext cx="2577013" cy="2678691"/>
+          </a:xfrm>
+          <a:prstGeom prst="rect">
+            <a:avLst/>
+          </a:prstGeom>
+        </p:spPr>
+      </p:pic>
+      <p:pic>
+        <p:nvPicPr>
+          <p:cNvPr id="8" name="图片 7">
+            <a:extLst>
+              <a:ext uri="{FF2B5EF4-FFF2-40B4-BE49-F238E27FC236}">
+                <a16:creationId xmlns:a16="http://schemas.microsoft.com/office/drawing/2014/main" id="{5E54F0A1-3EB6-4499-BC3D-A95325BB6758}"/>
+              </a:ext>
+            </a:extLst>
+          </p:cNvPr>
+          <p:cNvPicPr>
+            <a:picLocks noChangeAspect="1"/>
+          </p:cNvPicPr>
+          <p:nvPr/>
+        </p:nvPicPr>
+        <p:blipFill>
+          <a:blip r:embed="rId5"/>
+          <a:stretch>
+            <a:fillRect/>
+          </a:stretch>
+        </p:blipFill>
+        <p:spPr>
+          <a:xfrm>
+            <a:off x="2669633" y="2275537"/>
+            <a:ext cx="2796282" cy="3468510"/>
+          </a:xfrm>
+          <a:prstGeom prst="rect">
+            <a:avLst/>
+          </a:prstGeom>
+        </p:spPr>
+      </p:pic>
+      <p:pic>
+        <p:nvPicPr>
+          <p:cNvPr id="9" name="图片 8">
+            <a:extLst>
+              <a:ext uri="{FF2B5EF4-FFF2-40B4-BE49-F238E27FC236}">
+                <a16:creationId xmlns:a16="http://schemas.microsoft.com/office/drawing/2014/main" id="{2C67CAF3-4B7F-4B0D-BF46-D4A2201FBEB2}"/>
+              </a:ext>
+            </a:extLst>
+          </p:cNvPr>
+          <p:cNvPicPr>
+            <a:picLocks noChangeAspect="1"/>
+          </p:cNvPicPr>
+          <p:nvPr/>
+        </p:nvPicPr>
+        <p:blipFill>
+          <a:blip r:embed="rId6"/>
+          <a:stretch>
+            <a:fillRect/>
+          </a:stretch>
+        </p:blipFill>
+        <p:spPr>
+          <a:xfrm>
+            <a:off x="5717390" y="3227336"/>
+            <a:ext cx="3307341" cy="3429001"/>
+          </a:xfrm>
+          <a:prstGeom prst="rect">
+            <a:avLst/>
+          </a:prstGeom>
+        </p:spPr>
+      </p:pic>
+    </p:spTree>
+    <p:extLst>
+      <p:ext uri="{BB962C8B-B14F-4D97-AF65-F5344CB8AC3E}">
+        <p14:creationId xmlns:p14="http://schemas.microsoft.com/office/powerpoint/2010/main" val="3919554749"/>
+      </p:ext>
+    </p:extLst>
+  </p:cSld>
+  <p:clrMapOvr>
+    <a:masterClrMapping/>
+  </p:clrMapOvr>
+</p:sld>
+</file>
+
+<file path=ppt/slides/slide7.xml><?xml version="1.0" encoding="utf-8"?>
+<p:sld xmlns:a="http://schemas.openxmlformats.org/drawingml/2006/main" xmlns:r="http://schemas.openxmlformats.org/officeDocument/2006/relationships" xmlns:p="http://schemas.openxmlformats.org/presentationml/2006/main">
+  <p:cSld>
+    <p:spTree>
+      <p:nvGrpSpPr>
+        <p:cNvPr id="1" name=""/>
+        <p:cNvGrpSpPr/>
+        <p:nvPr/>
+      </p:nvGrpSpPr>
+      <p:grpSpPr>
+        <a:xfrm>
+          <a:off x="0" y="0"/>
+          <a:ext cx="0" cy="0"/>
+          <a:chOff x="0" y="0"/>
+          <a:chExt cx="0" cy="0"/>
+        </a:xfrm>
+      </p:grpSpPr>
+      <p:sp>
+        <p:nvSpPr>
+          <p:cNvPr id="2" name="标题 1"/>
+          <p:cNvSpPr>
+            <a:spLocks noGrp="1"/>
+          </p:cNvSpPr>
+          <p:nvPr>
+            <p:ph type="title"/>
+          </p:nvPr>
+        </p:nvSpPr>
+        <p:spPr>
+          <a:xfrm>
+            <a:off x="890649" y="276225"/>
+            <a:ext cx="6613464" cy="1004888"/>
+          </a:xfrm>
+        </p:spPr>
+        <p:txBody>
+          <a:bodyPr/>
+          <a:lstStyle/>
+          <a:p>
+            <a:r>
+              <a:rPr lang="zh-CN" altLang="en-US" dirty="0"/>
+              <a:t>结果展示</a:t>
+            </a:r>
+            <a:endParaRPr lang="en-US" altLang="zh-CN" dirty="0"/>
+          </a:p>
+        </p:txBody>
+      </p:sp>
+      <p:sp>
+        <p:nvSpPr>
+          <p:cNvPr id="11" name="文本框 10">
+            <a:extLst>
+              <a:ext uri="{FF2B5EF4-FFF2-40B4-BE49-F238E27FC236}">
+                <a16:creationId xmlns:a16="http://schemas.microsoft.com/office/drawing/2014/main" id="{9AAB71D8-A81B-475F-8B75-3BEC5CEE1C39}"/>
+              </a:ext>
+            </a:extLst>
+          </p:cNvPr>
+          <p:cNvSpPr txBox="1"/>
+          <p:nvPr/>
+        </p:nvSpPr>
+        <p:spPr>
+          <a:xfrm>
+            <a:off x="602901" y="1587640"/>
+            <a:ext cx="4572000" cy="369332"/>
+          </a:xfrm>
+          <a:prstGeom prst="rect">
+            <a:avLst/>
+          </a:prstGeom>
+          <a:noFill/>
+        </p:spPr>
+        <p:txBody>
+          <a:bodyPr wrap="square" rtlCol="0">
+            <a:spAutoFit/>
+          </a:bodyPr>
+          <a:lstStyle/>
+          <a:p>
+            <a:r>
+              <a:rPr lang="en-US" altLang="zh-CN" sz="1800" dirty="0">
+                <a:latin typeface="Arial" panose="020B0604020202020204" pitchFamily="34" charset="0"/>
+                <a:ea typeface="黑体" panose="02010609060101010101" pitchFamily="49" charset="-122"/>
+                <a:cs typeface="Arial" panose="020B0604020202020204" pitchFamily="34" charset="0"/>
+              </a:rPr>
+              <a:t>yellow-2_line v19</a:t>
+            </a:r>
+            <a:endParaRPr lang="zh-CN" altLang="en-US" sz="1800" dirty="0">
+              <a:latin typeface="Arial" panose="020B0604020202020204" pitchFamily="34" charset="0"/>
+              <a:ea typeface="黑体" panose="02010609060101010101" pitchFamily="49" charset="-122"/>
+              <a:cs typeface="Arial" panose="020B0604020202020204" pitchFamily="34" charset="0"/>
+            </a:endParaRPr>
+          </a:p>
+        </p:txBody>
+      </p:sp>
+      <p:pic>
+        <p:nvPicPr>
+          <p:cNvPr id="4" name="图片 3">
+            <a:extLst>
+              <a:ext uri="{FF2B5EF4-FFF2-40B4-BE49-F238E27FC236}">
+                <a16:creationId xmlns:a16="http://schemas.microsoft.com/office/drawing/2014/main" id="{B797BF37-F1B1-4D90-A8BA-B6313725AFE3}"/>
+              </a:ext>
+            </a:extLst>
+          </p:cNvPr>
+          <p:cNvPicPr>
+            <a:picLocks noChangeAspect="1"/>
+          </p:cNvPicPr>
+          <p:nvPr/>
+        </p:nvPicPr>
+        <p:blipFill>
+          <a:blip r:embed="rId3"/>
+          <a:stretch>
+            <a:fillRect/>
+          </a:stretch>
+        </p:blipFill>
+        <p:spPr>
+          <a:xfrm>
+            <a:off x="119269" y="2027796"/>
+            <a:ext cx="2246244" cy="2478500"/>
+          </a:xfrm>
+          <a:prstGeom prst="rect">
+            <a:avLst/>
+          </a:prstGeom>
+        </p:spPr>
+      </p:pic>
+      <p:pic>
+        <p:nvPicPr>
+          <p:cNvPr id="5" name="图片 4">
+            <a:extLst>
+              <a:ext uri="{FF2B5EF4-FFF2-40B4-BE49-F238E27FC236}">
+                <a16:creationId xmlns:a16="http://schemas.microsoft.com/office/drawing/2014/main" id="{D7ECF939-9673-44CF-85AD-988E016EA6F7}"/>
+              </a:ext>
+            </a:extLst>
+          </p:cNvPr>
+          <p:cNvPicPr>
+            <a:picLocks noChangeAspect="1"/>
+          </p:cNvPicPr>
+          <p:nvPr/>
+        </p:nvPicPr>
+        <p:blipFill>
+          <a:blip r:embed="rId4"/>
+          <a:stretch>
+            <a:fillRect/>
+          </a:stretch>
+        </p:blipFill>
+        <p:spPr>
+          <a:xfrm>
+            <a:off x="5408720" y="1281113"/>
+            <a:ext cx="2206487" cy="2649410"/>
+          </a:xfrm>
+          <a:prstGeom prst="rect">
+            <a:avLst/>
+          </a:prstGeom>
+        </p:spPr>
+      </p:pic>
+      <p:pic>
+        <p:nvPicPr>
+          <p:cNvPr id="6" name="图片 5">
+            <a:extLst>
+              <a:ext uri="{FF2B5EF4-FFF2-40B4-BE49-F238E27FC236}">
+                <a16:creationId xmlns:a16="http://schemas.microsoft.com/office/drawing/2014/main" id="{89DB61B9-3110-433B-97F9-4E588C630495}"/>
+              </a:ext>
+            </a:extLst>
+          </p:cNvPr>
+          <p:cNvPicPr>
+            <a:picLocks noChangeAspect="1"/>
+          </p:cNvPicPr>
+          <p:nvPr/>
+        </p:nvPicPr>
+        <p:blipFill>
+          <a:blip r:embed="rId5"/>
+          <a:stretch>
+            <a:fillRect/>
+          </a:stretch>
+        </p:blipFill>
+        <p:spPr>
+          <a:xfrm>
+            <a:off x="5602389" y="4201136"/>
+            <a:ext cx="2938710" cy="2656864"/>
+          </a:xfrm>
+          <a:prstGeom prst="rect">
+            <a:avLst/>
+          </a:prstGeom>
+        </p:spPr>
+      </p:pic>
+      <p:pic>
+        <p:nvPicPr>
+          <p:cNvPr id="10" name="图片 9">
+            <a:extLst>
+              <a:ext uri="{FF2B5EF4-FFF2-40B4-BE49-F238E27FC236}">
+                <a16:creationId xmlns:a16="http://schemas.microsoft.com/office/drawing/2014/main" id="{FC8B6F5D-3B43-4A4D-B896-B4C73163ECE5}"/>
+              </a:ext>
+            </a:extLst>
+          </p:cNvPr>
+          <p:cNvPicPr>
+            <a:picLocks noChangeAspect="1"/>
+          </p:cNvPicPr>
+          <p:nvPr/>
+        </p:nvPicPr>
+        <p:blipFill>
+          <a:blip r:embed="rId6"/>
+          <a:stretch>
+            <a:fillRect/>
+          </a:stretch>
+        </p:blipFill>
+        <p:spPr>
+          <a:xfrm>
+            <a:off x="2587701" y="3267046"/>
+            <a:ext cx="2792499" cy="2885821"/>
+          </a:xfrm>
+          <a:prstGeom prst="rect">
+            <a:avLst/>
+          </a:prstGeom>
+        </p:spPr>
+      </p:pic>
+    </p:spTree>
+    <p:extLst>
+      <p:ext uri="{BB962C8B-B14F-4D97-AF65-F5344CB8AC3E}">
+        <p14:creationId xmlns:p14="http://schemas.microsoft.com/office/powerpoint/2010/main" val="1696724496"/>
+      </p:ext>
+    </p:extLst>
+  </p:cSld>
+  <p:clrMapOvr>
+    <a:masterClrMapping/>
+  </p:clrMapOvr>
+</p:sld>
+</file>
+
+<file path=ppt/slides/slide8.xml><?xml version="1.0" encoding="utf-8"?>
+<p:sld xmlns:a="http://schemas.openxmlformats.org/drawingml/2006/main" xmlns:r="http://schemas.openxmlformats.org/officeDocument/2006/relationships" xmlns:p="http://schemas.openxmlformats.org/presentationml/2006/main">
+  <p:cSld>
+    <p:spTree>
+      <p:nvGrpSpPr>
+        <p:cNvPr id="1" name=""/>
+        <p:cNvGrpSpPr/>
+        <p:nvPr/>
+      </p:nvGrpSpPr>
+      <p:grpSpPr>
+        <a:xfrm>
+          <a:off x="0" y="0"/>
+          <a:ext cx="0" cy="0"/>
+          <a:chOff x="0" y="0"/>
+          <a:chExt cx="0" cy="0"/>
+        </a:xfrm>
+      </p:grpSpPr>
+      <p:sp>
+        <p:nvSpPr>
+          <p:cNvPr id="2" name="标题 1"/>
+          <p:cNvSpPr>
+            <a:spLocks noGrp="1"/>
+          </p:cNvSpPr>
+          <p:nvPr>
+            <p:ph type="title"/>
+          </p:nvPr>
+        </p:nvSpPr>
+        <p:spPr>
+          <a:xfrm>
+            <a:off x="890649" y="276225"/>
+            <a:ext cx="6613464" cy="1004888"/>
+          </a:xfrm>
+        </p:spPr>
+        <p:txBody>
+          <a:bodyPr/>
+          <a:lstStyle/>
+          <a:p>
+            <a:r>
+              <a:rPr lang="zh-CN" altLang="en-US" dirty="0"/>
+              <a:t>结果展示</a:t>
+            </a:r>
+            <a:endParaRPr lang="en-US" altLang="zh-CN" dirty="0"/>
+          </a:p>
+        </p:txBody>
+      </p:sp>
+      <p:sp>
+        <p:nvSpPr>
           <p:cNvPr id="3" name="内容占位符 2"/>
           <p:cNvSpPr>
             <a:spLocks noGrp="1"/>
@@ -4804,7 +6922,7 @@
 </p:sld>
 </file>
 
-<file path=ppt/slides/slide3.xml><?xml version="1.0" encoding="utf-8"?>
+<file path=ppt/slides/slide9.xml><?xml version="1.0" encoding="utf-8"?>
 <p:sld xmlns:a="http://schemas.openxmlformats.org/drawingml/2006/main" xmlns:r="http://schemas.openxmlformats.org/officeDocument/2006/relationships" xmlns:p="http://schemas.openxmlformats.org/presentationml/2006/main">
   <p:cSld>
     <p:spTree>
